--- a/02_porto_seguro/2_4_encoding_method_for_categorical_variables.pptx
+++ b/02_porto_seguro/2_4_encoding_method_for_categorical_variables.pptx
@@ -6,24 +6,26 @@
   </p:sldMasterIdLst>
   <p:sldIdLst>
     <p:sldId id="329" r:id="rId2"/>
-    <p:sldId id="350" r:id="rId3"/>
-    <p:sldId id="335" r:id="rId4"/>
-    <p:sldId id="351" r:id="rId5"/>
-    <p:sldId id="337" r:id="rId6"/>
-    <p:sldId id="356" r:id="rId7"/>
-    <p:sldId id="352" r:id="rId8"/>
-    <p:sldId id="353" r:id="rId9"/>
-    <p:sldId id="340" r:id="rId10"/>
-    <p:sldId id="357" r:id="rId11"/>
-    <p:sldId id="358" r:id="rId12"/>
-    <p:sldId id="338" r:id="rId13"/>
-    <p:sldId id="354" r:id="rId14"/>
-    <p:sldId id="339" r:id="rId15"/>
-    <p:sldId id="341" r:id="rId16"/>
-    <p:sldId id="359" r:id="rId17"/>
-    <p:sldId id="360" r:id="rId18"/>
-    <p:sldId id="349" r:id="rId19"/>
-    <p:sldId id="285" r:id="rId20"/>
+    <p:sldId id="361" r:id="rId3"/>
+    <p:sldId id="350" r:id="rId4"/>
+    <p:sldId id="335" r:id="rId5"/>
+    <p:sldId id="351" r:id="rId6"/>
+    <p:sldId id="337" r:id="rId7"/>
+    <p:sldId id="356" r:id="rId8"/>
+    <p:sldId id="352" r:id="rId9"/>
+    <p:sldId id="353" r:id="rId10"/>
+    <p:sldId id="340" r:id="rId11"/>
+    <p:sldId id="357" r:id="rId12"/>
+    <p:sldId id="358" r:id="rId13"/>
+    <p:sldId id="338" r:id="rId14"/>
+    <p:sldId id="354" r:id="rId15"/>
+    <p:sldId id="339" r:id="rId16"/>
+    <p:sldId id="341" r:id="rId17"/>
+    <p:sldId id="359" r:id="rId18"/>
+    <p:sldId id="360" r:id="rId19"/>
+    <p:sldId id="349" r:id="rId20"/>
+    <p:sldId id="362" r:id="rId21"/>
+    <p:sldId id="285" r:id="rId22"/>
   </p:sldIdLst>
   <p:sldSz cx="12192000" cy="6858000"/>
   <p:notesSz cx="6858000" cy="9144000"/>
@@ -5068,8 +5070,162 @@
           <a:chExt cx="0" cy="0"/>
         </a:xfrm>
       </p:grpSpPr>
-      <mc:AlternateContent xmlns:mc="http://schemas.openxmlformats.org/markup-compatibility/2006">
-        <mc:Choice xmlns:a14="http://schemas.microsoft.com/office/drawing/2010/main" Requires="a14">
+      <p:sp>
+        <p:nvSpPr>
+          <p:cNvPr id="2" name="내용 개체 틀 1">
+            <a:extLst>
+              <a:ext uri="{FF2B5EF4-FFF2-40B4-BE49-F238E27FC236}">
+                <a16:creationId xmlns:a16="http://schemas.microsoft.com/office/drawing/2014/main" id="{54BACDC3-DCEC-076B-DB19-9829DA6D96AD}"/>
+              </a:ext>
+            </a:extLst>
+          </p:cNvPr>
+          <p:cNvSpPr>
+            <a:spLocks noGrp="1"/>
+          </p:cNvSpPr>
+          <p:nvPr>
+            <p:ph idx="1"/>
+          </p:nvPr>
+        </p:nvSpPr>
+        <p:spPr/>
+        <p:txBody>
+          <a:bodyPr/>
+          <a:lstStyle/>
+          <a:p>
+            <a:r>
+              <a:rPr lang="ko-KR" altLang="en-US" dirty="0"/>
+              <a:t>범주형 </a:t>
+            </a:r>
+            <a:r>
+              <a:rPr lang="ko-KR" altLang="en-US" dirty="0" err="1"/>
+              <a:t>변수값들을</a:t>
+            </a:r>
+            <a:r>
+              <a:rPr lang="ko-KR" altLang="en-US" dirty="0"/>
+              <a:t> 이진법으로 변환해주는 방법</a:t>
+            </a:r>
+            <a:endParaRPr lang="en-US" altLang="ko-KR" dirty="0"/>
+          </a:p>
+          <a:p>
+            <a:endParaRPr lang="ko-KR" altLang="en-US" dirty="0"/>
+          </a:p>
+        </p:txBody>
+      </p:sp>
+      <p:sp>
+        <p:nvSpPr>
+          <p:cNvPr id="3" name="제목 2">
+            <a:extLst>
+              <a:ext uri="{FF2B5EF4-FFF2-40B4-BE49-F238E27FC236}">
+                <a16:creationId xmlns:a16="http://schemas.microsoft.com/office/drawing/2014/main" id="{39BB809C-46AB-28E5-B7F8-FA7BFA12A562}"/>
+              </a:ext>
+            </a:extLst>
+          </p:cNvPr>
+          <p:cNvSpPr>
+            <a:spLocks noGrp="1"/>
+          </p:cNvSpPr>
+          <p:nvPr>
+            <p:ph type="title"/>
+          </p:nvPr>
+        </p:nvSpPr>
+        <p:spPr/>
+        <p:txBody>
+          <a:bodyPr/>
+          <a:lstStyle/>
+          <a:p>
+            <a:r>
+              <a:rPr lang="en-US" altLang="ko-KR" dirty="0"/>
+              <a:t>2. Binary Encoding</a:t>
+            </a:r>
+            <a:endParaRPr lang="ko-KR" altLang="en-US" dirty="0"/>
+          </a:p>
+        </p:txBody>
+      </p:sp>
+      <p:sp>
+        <p:nvSpPr>
+          <p:cNvPr id="4" name="텍스트 개체 틀 3">
+            <a:extLst>
+              <a:ext uri="{FF2B5EF4-FFF2-40B4-BE49-F238E27FC236}">
+                <a16:creationId xmlns:a16="http://schemas.microsoft.com/office/drawing/2014/main" id="{9F4566CA-1F08-FE5F-640B-F89FBB656988}"/>
+              </a:ext>
+            </a:extLst>
+          </p:cNvPr>
+          <p:cNvSpPr>
+            <a:spLocks noGrp="1"/>
+          </p:cNvSpPr>
+          <p:nvPr>
+            <p:ph type="body" sz="quarter" idx="10"/>
+          </p:nvPr>
+        </p:nvSpPr>
+        <p:spPr/>
+        <p:txBody>
+          <a:bodyPr/>
+          <a:lstStyle/>
+          <a:p>
+            <a:endParaRPr lang="ko-KR" altLang="en-US"/>
+          </a:p>
+        </p:txBody>
+      </p:sp>
+      <p:pic>
+        <p:nvPicPr>
+          <p:cNvPr id="6" name="그림 5">
+            <a:extLst>
+              <a:ext uri="{FF2B5EF4-FFF2-40B4-BE49-F238E27FC236}">
+                <a16:creationId xmlns:a16="http://schemas.microsoft.com/office/drawing/2014/main" id="{4003F463-6617-5C0B-FFCF-0BD6BB167027}"/>
+              </a:ext>
+            </a:extLst>
+          </p:cNvPr>
+          <p:cNvPicPr>
+            <a:picLocks noChangeAspect="1"/>
+          </p:cNvPicPr>
+          <p:nvPr/>
+        </p:nvPicPr>
+        <p:blipFill>
+          <a:blip r:embed="rId2"/>
+          <a:stretch>
+            <a:fillRect/>
+          </a:stretch>
+        </p:blipFill>
+        <p:spPr>
+          <a:xfrm>
+            <a:off x="1871662" y="1756294"/>
+            <a:ext cx="8448675" cy="4133850"/>
+          </a:xfrm>
+          <a:prstGeom prst="rect">
+            <a:avLst/>
+          </a:prstGeom>
+        </p:spPr>
+      </p:pic>
+    </p:spTree>
+    <p:extLst>
+      <p:ext uri="{BB962C8B-B14F-4D97-AF65-F5344CB8AC3E}">
+        <p14:creationId xmlns:p14="http://schemas.microsoft.com/office/powerpoint/2010/main" val="3732347061"/>
+      </p:ext>
+    </p:extLst>
+  </p:cSld>
+  <p:clrMapOvr>
+    <a:masterClrMapping/>
+  </p:clrMapOvr>
+</p:sld>
+</file>
+
+<file path=ppt/slides/slide11.xml><?xml version="1.0" encoding="utf-8"?>
+<p:sld xmlns:a="http://schemas.openxmlformats.org/drawingml/2006/main" xmlns:r="http://schemas.openxmlformats.org/officeDocument/2006/relationships" xmlns:p="http://schemas.openxmlformats.org/presentationml/2006/main">
+  <p:cSld>
+    <p:spTree>
+      <p:nvGrpSpPr>
+        <p:cNvPr id="1" name=""/>
+        <p:cNvGrpSpPr/>
+        <p:nvPr/>
+      </p:nvGrpSpPr>
+      <p:grpSpPr>
+        <a:xfrm>
+          <a:off x="0" y="0"/>
+          <a:ext cx="0" cy="0"/>
+          <a:chOff x="0" y="0"/>
+          <a:chExt cx="0" cy="0"/>
+        </a:xfrm>
+      </p:grpSpPr>
+      <mc:AlternateContent xmlns:mc="http://schemas.openxmlformats.org/markup-compatibility/2006" xmlns:a14="http://schemas.microsoft.com/office/drawing/2010/main">
+        <mc:Choice Requires="a14">
           <p:sp>
             <p:nvSpPr>
               <p:cNvPr id="2" name="내용 개체 틀 1">
@@ -5662,7 +5818,7 @@
             </p:txBody>
           </p:sp>
         </mc:Choice>
-        <mc:Fallback>
+        <mc:Fallback xmlns="">
           <p:sp>
             <p:nvSpPr>
               <p:cNvPr id="2" name="내용 개체 틀 1">
@@ -5769,7 +5925,7 @@
 </p:sld>
 </file>
 
-<file path=ppt/slides/slide11.xml><?xml version="1.0" encoding="utf-8"?>
+<file path=ppt/slides/slide12.xml><?xml version="1.0" encoding="utf-8"?>
 <p:sld xmlns:a="http://schemas.openxmlformats.org/drawingml/2006/main" xmlns:r="http://schemas.openxmlformats.org/officeDocument/2006/relationships" xmlns:p="http://schemas.openxmlformats.org/presentationml/2006/main">
   <p:cSld>
     <p:spTree>
@@ -6053,7 +6209,7 @@
 </p:sld>
 </file>
 
-<file path=ppt/slides/slide12.xml><?xml version="1.0" encoding="utf-8"?>
+<file path=ppt/slides/slide13.xml><?xml version="1.0" encoding="utf-8"?>
 <p:sld xmlns:a="http://schemas.openxmlformats.org/drawingml/2006/main" xmlns:r="http://schemas.openxmlformats.org/officeDocument/2006/relationships" xmlns:p="http://schemas.openxmlformats.org/presentationml/2006/main">
   <p:cSld>
     <p:spTree>
@@ -6446,7 +6602,7 @@
 </p:sld>
 </file>
 
-<file path=ppt/slides/slide13.xml><?xml version="1.0" encoding="utf-8"?>
+<file path=ppt/slides/slide14.xml><?xml version="1.0" encoding="utf-8"?>
 <p:sld xmlns:a="http://schemas.openxmlformats.org/drawingml/2006/main" xmlns:r="http://schemas.openxmlformats.org/officeDocument/2006/relationships" xmlns:p="http://schemas.openxmlformats.org/presentationml/2006/main">
   <p:cSld>
     <p:spTree>
@@ -6775,7 +6931,7 @@
 </p:sld>
 </file>
 
-<file path=ppt/slides/slide14.xml><?xml version="1.0" encoding="utf-8"?>
+<file path=ppt/slides/slide15.xml><?xml version="1.0" encoding="utf-8"?>
 <p:sld xmlns:a="http://schemas.openxmlformats.org/drawingml/2006/main" xmlns:r="http://schemas.openxmlformats.org/officeDocument/2006/relationships" xmlns:p="http://schemas.openxmlformats.org/presentationml/2006/main">
   <p:cSld>
     <p:spTree>
@@ -6871,7 +7027,7 @@
             </a:r>
             <a:r>
               <a:rPr lang="en-US" altLang="ko-KR" dirty="0"/>
-              <a:t>0, 3, 1, 2</a:t>
+              <a:t>0, 1, 2, 3</a:t>
             </a:r>
             <a:r>
               <a:rPr lang="ko-KR" altLang="en-US" dirty="0"/>
@@ -7346,7 +7502,7 @@
 </p:sld>
 </file>
 
-<file path=ppt/slides/slide15.xml><?xml version="1.0" encoding="utf-8"?>
+<file path=ppt/slides/slide16.xml><?xml version="1.0" encoding="utf-8"?>
 <p:sld xmlns:a="http://schemas.openxmlformats.org/drawingml/2006/main" xmlns:r="http://schemas.openxmlformats.org/officeDocument/2006/relationships" xmlns:p="http://schemas.openxmlformats.org/presentationml/2006/main">
   <p:cSld>
     <p:spTree>
@@ -7625,8 +7781,8 @@
         </p:blipFill>
         <p:spPr>
           <a:xfrm>
-            <a:off x="764999" y="2325347"/>
-            <a:ext cx="10662002" cy="4077040"/>
+            <a:off x="362548" y="2171454"/>
+            <a:ext cx="11466904" cy="4384826"/>
           </a:xfrm>
           <a:prstGeom prst="rect">
             <a:avLst/>
@@ -7700,7 +7856,7 @@
 </p:sld>
 </file>
 
-<file path=ppt/slides/slide16.xml><?xml version="1.0" encoding="utf-8"?>
+<file path=ppt/slides/slide17.xml><?xml version="1.0" encoding="utf-8"?>
 <p:sld xmlns:a="http://schemas.openxmlformats.org/drawingml/2006/main" xmlns:r="http://schemas.openxmlformats.org/officeDocument/2006/relationships" xmlns:p="http://schemas.openxmlformats.org/presentationml/2006/main">
   <p:cSld>
     <p:spTree>
@@ -8085,7 +8241,7 @@
 </p:sld>
 </file>
 
-<file path=ppt/slides/slide17.xml><?xml version="1.0" encoding="utf-8"?>
+<file path=ppt/slides/slide18.xml><?xml version="1.0" encoding="utf-8"?>
 <p:sld xmlns:a="http://schemas.openxmlformats.org/drawingml/2006/main" xmlns:r="http://schemas.openxmlformats.org/officeDocument/2006/relationships" xmlns:p="http://schemas.openxmlformats.org/presentationml/2006/main">
   <p:cSld>
     <p:spTree>
@@ -8308,7 +8464,7 @@
 </p:sld>
 </file>
 
-<file path=ppt/slides/slide18.xml><?xml version="1.0" encoding="utf-8"?>
+<file path=ppt/slides/slide19.xml><?xml version="1.0" encoding="utf-8"?>
 <p:sld xmlns:a="http://schemas.openxmlformats.org/drawingml/2006/main" xmlns:r="http://schemas.openxmlformats.org/officeDocument/2006/relationships" xmlns:p="http://schemas.openxmlformats.org/presentationml/2006/main">
   <p:cSld>
     <p:spTree>
@@ -8469,7 +8625,348 @@
 </p:sld>
 </file>
 
-<file path=ppt/slides/slide19.xml><?xml version="1.0" encoding="utf-8"?>
+<file path=ppt/slides/slide2.xml><?xml version="1.0" encoding="utf-8"?>
+<p:sld xmlns:a="http://schemas.openxmlformats.org/drawingml/2006/main" xmlns:r="http://schemas.openxmlformats.org/officeDocument/2006/relationships" xmlns:p="http://schemas.openxmlformats.org/presentationml/2006/main">
+  <p:cSld>
+    <p:spTree>
+      <p:nvGrpSpPr>
+        <p:cNvPr id="1" name=""/>
+        <p:cNvGrpSpPr/>
+        <p:nvPr/>
+      </p:nvGrpSpPr>
+      <p:grpSpPr>
+        <a:xfrm>
+          <a:off x="0" y="0"/>
+          <a:ext cx="0" cy="0"/>
+          <a:chOff x="0" y="0"/>
+          <a:chExt cx="0" cy="0"/>
+        </a:xfrm>
+      </p:grpSpPr>
+      <p:sp>
+        <p:nvSpPr>
+          <p:cNvPr id="2" name="내용 개체 틀 1">
+            <a:extLst>
+              <a:ext uri="{FF2B5EF4-FFF2-40B4-BE49-F238E27FC236}">
+                <a16:creationId xmlns:a16="http://schemas.microsoft.com/office/drawing/2014/main" id="{FA7798A2-B320-BA4F-7FCE-E2F77D5CE874}"/>
+              </a:ext>
+            </a:extLst>
+          </p:cNvPr>
+          <p:cNvSpPr>
+            <a:spLocks noGrp="1"/>
+          </p:cNvSpPr>
+          <p:nvPr>
+            <p:ph idx="1"/>
+          </p:nvPr>
+        </p:nvSpPr>
+        <p:spPr/>
+        <p:txBody>
+          <a:bodyPr/>
+          <a:lstStyle/>
+          <a:p>
+            <a:r>
+              <a:rPr lang="en-US" altLang="ko-KR" dirty="0">
+                <a:solidFill>
+                  <a:srgbClr val="C00000"/>
+                </a:solidFill>
+              </a:rPr>
+              <a:t>Target Encoding </a:t>
+            </a:r>
+            <a:r>
+              <a:rPr lang="en-US" altLang="ko-KR" dirty="0"/>
+              <a:t>-&gt; </a:t>
+            </a:r>
+            <a:r>
+              <a:rPr lang="ko-KR" altLang="en-US" dirty="0"/>
+              <a:t>오늘은 이것만 합니다</a:t>
+            </a:r>
+            <a:r>
+              <a:rPr lang="en-US" altLang="ko-KR" dirty="0"/>
+              <a:t>.</a:t>
+            </a:r>
+          </a:p>
+          <a:p>
+            <a:r>
+              <a:rPr lang="en-US" altLang="ko-KR" dirty="0" err="1"/>
+              <a:t>Undersampling</a:t>
+            </a:r>
+            <a:r>
+              <a:rPr lang="en-US" altLang="ko-KR" dirty="0"/>
+              <a:t> </a:t>
+            </a:r>
+            <a:r>
+              <a:rPr lang="ko-KR" altLang="en-US" dirty="0"/>
+              <a:t>기법</a:t>
+            </a:r>
+            <a:endParaRPr lang="en-US" altLang="ko-KR" dirty="0"/>
+          </a:p>
+          <a:p>
+            <a:r>
+              <a:rPr lang="en-US" altLang="ko-KR" dirty="0"/>
+              <a:t>Ensemble </a:t>
+            </a:r>
+            <a:r>
+              <a:rPr lang="ko-KR" altLang="en-US" dirty="0"/>
+              <a:t>방법</a:t>
+            </a:r>
+            <a:endParaRPr lang="en-US" altLang="ko-KR" dirty="0"/>
+          </a:p>
+          <a:p>
+            <a:r>
+              <a:rPr lang="en-US" altLang="ko-KR" dirty="0" err="1"/>
+              <a:t>LightGBM</a:t>
+            </a:r>
+            <a:r>
+              <a:rPr lang="en-US" altLang="ko-KR" dirty="0"/>
+              <a:t> </a:t>
+            </a:r>
+          </a:p>
+          <a:p>
+            <a:endParaRPr lang="en-US" altLang="ko-KR" dirty="0"/>
+          </a:p>
+          <a:p>
+            <a:endParaRPr lang="en-US" altLang="ko-KR" dirty="0"/>
+          </a:p>
+          <a:p>
+            <a:endParaRPr lang="en-US" altLang="ko-KR" dirty="0"/>
+          </a:p>
+          <a:p>
+            <a:r>
+              <a:rPr lang="ko-KR" altLang="en-US" dirty="0"/>
+              <a:t>나머지는 다음 시간에</a:t>
+            </a:r>
+            <a:r>
+              <a:rPr lang="en-US" altLang="ko-KR" dirty="0"/>
+              <a:t>….</a:t>
+            </a:r>
+            <a:endParaRPr lang="ko-KR" altLang="en-US" dirty="0"/>
+          </a:p>
+        </p:txBody>
+      </p:sp>
+      <p:sp>
+        <p:nvSpPr>
+          <p:cNvPr id="3" name="제목 2">
+            <a:extLst>
+              <a:ext uri="{FF2B5EF4-FFF2-40B4-BE49-F238E27FC236}">
+                <a16:creationId xmlns:a16="http://schemas.microsoft.com/office/drawing/2014/main" id="{CF447BB7-A719-C4BF-BDF5-8437157B68F3}"/>
+              </a:ext>
+            </a:extLst>
+          </p:cNvPr>
+          <p:cNvSpPr>
+            <a:spLocks noGrp="1"/>
+          </p:cNvSpPr>
+          <p:nvPr>
+            <p:ph type="title"/>
+          </p:nvPr>
+        </p:nvSpPr>
+        <p:spPr/>
+        <p:txBody>
+          <a:bodyPr/>
+          <a:lstStyle/>
+          <a:p>
+            <a:r>
+              <a:rPr lang="en-US" altLang="ko-KR" dirty="0"/>
+              <a:t>2_4 notebook</a:t>
+            </a:r>
+            <a:r>
+              <a:rPr lang="ko-KR" altLang="en-US" dirty="0"/>
+              <a:t>의 몇 가지 </a:t>
+            </a:r>
+            <a:r>
+              <a:rPr lang="en-US" altLang="ko-KR" dirty="0"/>
+              <a:t>topics</a:t>
+            </a:r>
+            <a:endParaRPr lang="ko-KR" altLang="en-US" dirty="0"/>
+          </a:p>
+        </p:txBody>
+      </p:sp>
+      <p:sp>
+        <p:nvSpPr>
+          <p:cNvPr id="4" name="텍스트 개체 틀 3">
+            <a:extLst>
+              <a:ext uri="{FF2B5EF4-FFF2-40B4-BE49-F238E27FC236}">
+                <a16:creationId xmlns:a16="http://schemas.microsoft.com/office/drawing/2014/main" id="{B668A904-E1A6-AB9F-7469-7407A4621D12}"/>
+              </a:ext>
+            </a:extLst>
+          </p:cNvPr>
+          <p:cNvSpPr>
+            <a:spLocks noGrp="1"/>
+          </p:cNvSpPr>
+          <p:nvPr>
+            <p:ph type="body" sz="quarter" idx="10"/>
+          </p:nvPr>
+        </p:nvSpPr>
+        <p:spPr/>
+        <p:txBody>
+          <a:bodyPr/>
+          <a:lstStyle/>
+          <a:p>
+            <a:endParaRPr lang="ko-KR" altLang="en-US"/>
+          </a:p>
+        </p:txBody>
+      </p:sp>
+    </p:spTree>
+    <p:extLst>
+      <p:ext uri="{BB962C8B-B14F-4D97-AF65-F5344CB8AC3E}">
+        <p14:creationId xmlns:p14="http://schemas.microsoft.com/office/powerpoint/2010/main" val="449671623"/>
+      </p:ext>
+    </p:extLst>
+  </p:cSld>
+  <p:clrMapOvr>
+    <a:masterClrMapping/>
+  </p:clrMapOvr>
+</p:sld>
+</file>
+
+<file path=ppt/slides/slide20.xml><?xml version="1.0" encoding="utf-8"?>
+<p:sld xmlns:a="http://schemas.openxmlformats.org/drawingml/2006/main" xmlns:r="http://schemas.openxmlformats.org/officeDocument/2006/relationships" xmlns:p="http://schemas.openxmlformats.org/presentationml/2006/main">
+  <p:cSld>
+    <p:spTree>
+      <p:nvGrpSpPr>
+        <p:cNvPr id="1" name=""/>
+        <p:cNvGrpSpPr/>
+        <p:nvPr/>
+      </p:nvGrpSpPr>
+      <p:grpSpPr>
+        <a:xfrm>
+          <a:off x="0" y="0"/>
+          <a:ext cx="0" cy="0"/>
+          <a:chOff x="0" y="0"/>
+          <a:chExt cx="0" cy="0"/>
+        </a:xfrm>
+      </p:grpSpPr>
+      <p:sp>
+        <p:nvSpPr>
+          <p:cNvPr id="2" name="내용 개체 틀 1">
+            <a:extLst>
+              <a:ext uri="{FF2B5EF4-FFF2-40B4-BE49-F238E27FC236}">
+                <a16:creationId xmlns:a16="http://schemas.microsoft.com/office/drawing/2014/main" id="{1FD37D62-F8FB-E65C-62E2-8E91221FC490}"/>
+              </a:ext>
+            </a:extLst>
+          </p:cNvPr>
+          <p:cNvSpPr>
+            <a:spLocks noGrp="1"/>
+          </p:cNvSpPr>
+          <p:nvPr>
+            <p:ph idx="1"/>
+          </p:nvPr>
+        </p:nvSpPr>
+        <p:spPr/>
+        <p:txBody>
+          <a:bodyPr/>
+          <a:lstStyle/>
+          <a:p>
+            <a:r>
+              <a:rPr lang="en-US" altLang="ko-KR" dirty="0"/>
+              <a:t>Smoothing</a:t>
+            </a:r>
+            <a:r>
+              <a:rPr lang="ko-KR" altLang="en-US" dirty="0"/>
+              <a:t>에</a:t>
+            </a:r>
+            <a:r>
+              <a:rPr lang="en-US" altLang="ko-KR" dirty="0"/>
+              <a:t> </a:t>
+            </a:r>
+            <a:r>
+              <a:rPr lang="ko-KR" altLang="en-US" dirty="0"/>
+              <a:t>대한 자세한 설명</a:t>
+            </a:r>
+            <a:endParaRPr lang="en-US" altLang="ko-KR" dirty="0"/>
+          </a:p>
+          <a:p>
+            <a:pPr lvl="1"/>
+            <a:r>
+              <a:rPr lang="en-US" altLang="ko-KR" dirty="0">
+                <a:hlinkClick r:id="rId2"/>
+              </a:rPr>
+              <a:t>https://sjpyo.tistory.com/16</a:t>
+            </a:r>
+            <a:endParaRPr lang="en-US" altLang="ko-KR" dirty="0"/>
+          </a:p>
+          <a:p>
+            <a:pPr lvl="1"/>
+            <a:r>
+              <a:rPr lang="en-US" altLang="ko-KR" dirty="0">
+                <a:hlinkClick r:id="rId3"/>
+              </a:rPr>
+              <a:t>https://dailyheumsi.tistory.com/120</a:t>
+            </a:r>
+            <a:endParaRPr lang="en-US" altLang="ko-KR" dirty="0"/>
+          </a:p>
+          <a:p>
+            <a:pPr lvl="1"/>
+            <a:endParaRPr lang="ko-KR" altLang="en-US" dirty="0"/>
+          </a:p>
+        </p:txBody>
+      </p:sp>
+      <p:sp>
+        <p:nvSpPr>
+          <p:cNvPr id="3" name="제목 2">
+            <a:extLst>
+              <a:ext uri="{FF2B5EF4-FFF2-40B4-BE49-F238E27FC236}">
+                <a16:creationId xmlns:a16="http://schemas.microsoft.com/office/drawing/2014/main" id="{0ACEED7F-6529-562F-B73F-3E086B635A0D}"/>
+              </a:ext>
+            </a:extLst>
+          </p:cNvPr>
+          <p:cNvSpPr>
+            <a:spLocks noGrp="1"/>
+          </p:cNvSpPr>
+          <p:nvPr>
+            <p:ph type="title"/>
+          </p:nvPr>
+        </p:nvSpPr>
+        <p:spPr/>
+        <p:txBody>
+          <a:bodyPr/>
+          <a:lstStyle/>
+          <a:p>
+            <a:r>
+              <a:rPr lang="en-US" altLang="ko-KR" dirty="0"/>
+              <a:t>Reference</a:t>
+            </a:r>
+            <a:endParaRPr lang="ko-KR" altLang="en-US" dirty="0"/>
+          </a:p>
+        </p:txBody>
+      </p:sp>
+      <p:sp>
+        <p:nvSpPr>
+          <p:cNvPr id="4" name="텍스트 개체 틀 3">
+            <a:extLst>
+              <a:ext uri="{FF2B5EF4-FFF2-40B4-BE49-F238E27FC236}">
+                <a16:creationId xmlns:a16="http://schemas.microsoft.com/office/drawing/2014/main" id="{DC65FDE9-5304-A7F4-543D-8699195AF0C1}"/>
+              </a:ext>
+            </a:extLst>
+          </p:cNvPr>
+          <p:cNvSpPr>
+            <a:spLocks noGrp="1"/>
+          </p:cNvSpPr>
+          <p:nvPr>
+            <p:ph type="body" sz="quarter" idx="10"/>
+          </p:nvPr>
+        </p:nvSpPr>
+        <p:spPr/>
+        <p:txBody>
+          <a:bodyPr/>
+          <a:lstStyle/>
+          <a:p>
+            <a:endParaRPr lang="ko-KR" altLang="en-US"/>
+          </a:p>
+        </p:txBody>
+      </p:sp>
+    </p:spTree>
+    <p:extLst>
+      <p:ext uri="{BB962C8B-B14F-4D97-AF65-F5344CB8AC3E}">
+        <p14:creationId xmlns:p14="http://schemas.microsoft.com/office/powerpoint/2010/main" val="1531311108"/>
+      </p:ext>
+    </p:extLst>
+  </p:cSld>
+  <p:clrMapOvr>
+    <a:masterClrMapping/>
+  </p:clrMapOvr>
+</p:sld>
+</file>
+
+<file path=ppt/slides/slide21.xml><?xml version="1.0" encoding="utf-8"?>
 <p:sld xmlns:a="http://schemas.openxmlformats.org/drawingml/2006/main" xmlns:r="http://schemas.openxmlformats.org/officeDocument/2006/relationships" xmlns:p="http://schemas.openxmlformats.org/presentationml/2006/main">
   <p:cSld>
     <p:spTree>
@@ -8892,7 +9389,7 @@
 </p:sld>
 </file>
 
-<file path=ppt/slides/slide2.xml><?xml version="1.0" encoding="utf-8"?>
+<file path=ppt/slides/slide3.xml><?xml version="1.0" encoding="utf-8"?>
 <p:sld xmlns:a="http://schemas.openxmlformats.org/drawingml/2006/main" xmlns:r="http://schemas.openxmlformats.org/officeDocument/2006/relationships" xmlns:p="http://schemas.openxmlformats.org/presentationml/2006/main">
   <p:cSld>
     <p:spTree>
@@ -9274,7 +9771,7 @@
 </p:sld>
 </file>
 
-<file path=ppt/slides/slide3.xml><?xml version="1.0" encoding="utf-8"?>
+<file path=ppt/slides/slide4.xml><?xml version="1.0" encoding="utf-8"?>
 <p:sld xmlns:a="http://schemas.openxmlformats.org/drawingml/2006/main" xmlns:r="http://schemas.openxmlformats.org/officeDocument/2006/relationships" xmlns:p="http://schemas.openxmlformats.org/presentationml/2006/main">
   <p:cSld>
     <p:spTree>
@@ -9467,7 +9964,7 @@
 </p:sld>
 </file>
 
-<file path=ppt/slides/slide4.xml><?xml version="1.0" encoding="utf-8"?>
+<file path=ppt/slides/slide5.xml><?xml version="1.0" encoding="utf-8"?>
 <p:sld xmlns:a="http://schemas.openxmlformats.org/drawingml/2006/main" xmlns:r="http://schemas.openxmlformats.org/officeDocument/2006/relationships" xmlns:p="http://schemas.openxmlformats.org/presentationml/2006/main">
   <p:cSld>
     <p:spTree>
@@ -10004,7 +10501,7 @@
 </p:sld>
 </file>
 
-<file path=ppt/slides/slide5.xml><?xml version="1.0" encoding="utf-8"?>
+<file path=ppt/slides/slide6.xml><?xml version="1.0" encoding="utf-8"?>
 <p:sld xmlns:a="http://schemas.openxmlformats.org/drawingml/2006/main" xmlns:r="http://schemas.openxmlformats.org/officeDocument/2006/relationships" xmlns:p="http://schemas.openxmlformats.org/presentationml/2006/main">
   <p:cSld>
     <p:spTree>
@@ -10190,7 +10687,7 @@
 </p:sld>
 </file>
 
-<file path=ppt/slides/slide6.xml><?xml version="1.0" encoding="utf-8"?>
+<file path=ppt/slides/slide7.xml><?xml version="1.0" encoding="utf-8"?>
 <p:sld xmlns:a="http://schemas.openxmlformats.org/drawingml/2006/main" xmlns:r="http://schemas.openxmlformats.org/officeDocument/2006/relationships" xmlns:p="http://schemas.openxmlformats.org/presentationml/2006/main">
   <p:cSld>
     <p:spTree>
@@ -10420,7 +10917,7 @@
             <a:pPr lvl="1"/>
             <a:r>
               <a:rPr lang="en-US" altLang="ko-KR" dirty="0" err="1"/>
-              <a:t>Sklearn.processin</a:t>
+              <a:t>Sklearn.processing</a:t>
             </a:r>
             <a:r>
               <a:rPr lang="ko-KR" altLang="en-US" dirty="0"/>
@@ -10554,7 +11051,7 @@
 </p:sld>
 </file>
 
-<file path=ppt/slides/slide7.xml><?xml version="1.0" encoding="utf-8"?>
+<file path=ppt/slides/slide8.xml><?xml version="1.0" encoding="utf-8"?>
 <p:sld xmlns:a="http://schemas.openxmlformats.org/drawingml/2006/main" xmlns:r="http://schemas.openxmlformats.org/officeDocument/2006/relationships" xmlns:p="http://schemas.openxmlformats.org/presentationml/2006/main">
   <p:cSld>
     <p:spTree>
@@ -10837,7 +11334,7 @@
 </p:sld>
 </file>
 
-<file path=ppt/slides/slide8.xml><?xml version="1.0" encoding="utf-8"?>
+<file path=ppt/slides/slide9.xml><?xml version="1.0" encoding="utf-8"?>
 <p:sld xmlns:a="http://schemas.openxmlformats.org/drawingml/2006/main" xmlns:r="http://schemas.openxmlformats.org/officeDocument/2006/relationships" xmlns:p="http://schemas.openxmlformats.org/presentationml/2006/main">
   <p:cSld>
     <p:spTree>
@@ -11301,160 +11798,6 @@
     <p:extLst>
       <p:ext uri="{BB962C8B-B14F-4D97-AF65-F5344CB8AC3E}">
         <p14:creationId xmlns:p14="http://schemas.microsoft.com/office/powerpoint/2010/main" val="2617672396"/>
-      </p:ext>
-    </p:extLst>
-  </p:cSld>
-  <p:clrMapOvr>
-    <a:masterClrMapping/>
-  </p:clrMapOvr>
-</p:sld>
-</file>
-
-<file path=ppt/slides/slide9.xml><?xml version="1.0" encoding="utf-8"?>
-<p:sld xmlns:a="http://schemas.openxmlformats.org/drawingml/2006/main" xmlns:r="http://schemas.openxmlformats.org/officeDocument/2006/relationships" xmlns:p="http://schemas.openxmlformats.org/presentationml/2006/main">
-  <p:cSld>
-    <p:spTree>
-      <p:nvGrpSpPr>
-        <p:cNvPr id="1" name=""/>
-        <p:cNvGrpSpPr/>
-        <p:nvPr/>
-      </p:nvGrpSpPr>
-      <p:grpSpPr>
-        <a:xfrm>
-          <a:off x="0" y="0"/>
-          <a:ext cx="0" cy="0"/>
-          <a:chOff x="0" y="0"/>
-          <a:chExt cx="0" cy="0"/>
-        </a:xfrm>
-      </p:grpSpPr>
-      <p:sp>
-        <p:nvSpPr>
-          <p:cNvPr id="2" name="내용 개체 틀 1">
-            <a:extLst>
-              <a:ext uri="{FF2B5EF4-FFF2-40B4-BE49-F238E27FC236}">
-                <a16:creationId xmlns:a16="http://schemas.microsoft.com/office/drawing/2014/main" id="{54BACDC3-DCEC-076B-DB19-9829DA6D96AD}"/>
-              </a:ext>
-            </a:extLst>
-          </p:cNvPr>
-          <p:cNvSpPr>
-            <a:spLocks noGrp="1"/>
-          </p:cNvSpPr>
-          <p:nvPr>
-            <p:ph idx="1"/>
-          </p:nvPr>
-        </p:nvSpPr>
-        <p:spPr/>
-        <p:txBody>
-          <a:bodyPr/>
-          <a:lstStyle/>
-          <a:p>
-            <a:r>
-              <a:rPr lang="ko-KR" altLang="en-US" dirty="0"/>
-              <a:t>범주형 </a:t>
-            </a:r>
-            <a:r>
-              <a:rPr lang="ko-KR" altLang="en-US" dirty="0" err="1"/>
-              <a:t>변수값들을</a:t>
-            </a:r>
-            <a:r>
-              <a:rPr lang="ko-KR" altLang="en-US" dirty="0"/>
-              <a:t> 이진법으로 변환해주는 방법</a:t>
-            </a:r>
-            <a:endParaRPr lang="en-US" altLang="ko-KR" dirty="0"/>
-          </a:p>
-          <a:p>
-            <a:endParaRPr lang="ko-KR" altLang="en-US" dirty="0"/>
-          </a:p>
-        </p:txBody>
-      </p:sp>
-      <p:sp>
-        <p:nvSpPr>
-          <p:cNvPr id="3" name="제목 2">
-            <a:extLst>
-              <a:ext uri="{FF2B5EF4-FFF2-40B4-BE49-F238E27FC236}">
-                <a16:creationId xmlns:a16="http://schemas.microsoft.com/office/drawing/2014/main" id="{39BB809C-46AB-28E5-B7F8-FA7BFA12A562}"/>
-              </a:ext>
-            </a:extLst>
-          </p:cNvPr>
-          <p:cNvSpPr>
-            <a:spLocks noGrp="1"/>
-          </p:cNvSpPr>
-          <p:nvPr>
-            <p:ph type="title"/>
-          </p:nvPr>
-        </p:nvSpPr>
-        <p:spPr/>
-        <p:txBody>
-          <a:bodyPr/>
-          <a:lstStyle/>
-          <a:p>
-            <a:r>
-              <a:rPr lang="en-US" altLang="ko-KR" dirty="0"/>
-              <a:t>2. Binary Encoding</a:t>
-            </a:r>
-            <a:endParaRPr lang="ko-KR" altLang="en-US" dirty="0"/>
-          </a:p>
-        </p:txBody>
-      </p:sp>
-      <p:sp>
-        <p:nvSpPr>
-          <p:cNvPr id="4" name="텍스트 개체 틀 3">
-            <a:extLst>
-              <a:ext uri="{FF2B5EF4-FFF2-40B4-BE49-F238E27FC236}">
-                <a16:creationId xmlns:a16="http://schemas.microsoft.com/office/drawing/2014/main" id="{9F4566CA-1F08-FE5F-640B-F89FBB656988}"/>
-              </a:ext>
-            </a:extLst>
-          </p:cNvPr>
-          <p:cNvSpPr>
-            <a:spLocks noGrp="1"/>
-          </p:cNvSpPr>
-          <p:nvPr>
-            <p:ph type="body" sz="quarter" idx="10"/>
-          </p:nvPr>
-        </p:nvSpPr>
-        <p:spPr/>
-        <p:txBody>
-          <a:bodyPr/>
-          <a:lstStyle/>
-          <a:p>
-            <a:endParaRPr lang="ko-KR" altLang="en-US"/>
-          </a:p>
-        </p:txBody>
-      </p:sp>
-      <p:pic>
-        <p:nvPicPr>
-          <p:cNvPr id="6" name="그림 5">
-            <a:extLst>
-              <a:ext uri="{FF2B5EF4-FFF2-40B4-BE49-F238E27FC236}">
-                <a16:creationId xmlns:a16="http://schemas.microsoft.com/office/drawing/2014/main" id="{4003F463-6617-5C0B-FFCF-0BD6BB167027}"/>
-              </a:ext>
-            </a:extLst>
-          </p:cNvPr>
-          <p:cNvPicPr>
-            <a:picLocks noChangeAspect="1"/>
-          </p:cNvPicPr>
-          <p:nvPr/>
-        </p:nvPicPr>
-        <p:blipFill>
-          <a:blip r:embed="rId2"/>
-          <a:stretch>
-            <a:fillRect/>
-          </a:stretch>
-        </p:blipFill>
-        <p:spPr>
-          <a:xfrm>
-            <a:off x="1871662" y="1756294"/>
-            <a:ext cx="8448675" cy="4133850"/>
-          </a:xfrm>
-          <a:prstGeom prst="rect">
-            <a:avLst/>
-          </a:prstGeom>
-        </p:spPr>
-      </p:pic>
-    </p:spTree>
-    <p:extLst>
-      <p:ext uri="{BB962C8B-B14F-4D97-AF65-F5344CB8AC3E}">
-        <p14:creationId xmlns:p14="http://schemas.microsoft.com/office/powerpoint/2010/main" val="3732347061"/>
       </p:ext>
     </p:extLst>
   </p:cSld>
